--- a/images/projects/buttons05.pptx
+++ b/images/projects/buttons05.pptx
@@ -4332,7 +4332,7 @@
           <a:lstStyle/>
           <a:p>
             <a:r>
-              <a:rPr lang="en-GB" sz="1400" dirty="0">
+              <a:rPr lang="en-GB" sz="1350" dirty="0">
                 <a:solidFill>
                   <a:schemeClr val="bg1"/>
                 </a:solidFill>
@@ -4394,7 +4394,7 @@
           <a:lstStyle/>
           <a:p>
             <a:r>
-              <a:rPr lang="en-GB" sz="1400" dirty="0">
+              <a:rPr lang="en-GB" sz="1350" dirty="0">
                 <a:solidFill>
                   <a:schemeClr val="bg1"/>
                 </a:solidFill>
@@ -4406,7 +4406,7 @@
           </a:p>
           <a:p>
             <a:r>
-              <a:rPr lang="en-GB" sz="1400" dirty="0">
+              <a:rPr lang="en-GB" sz="1350" dirty="0">
                 <a:solidFill>
                   <a:schemeClr val="bg1"/>
                 </a:solidFill>
@@ -4495,17 +4495,7 @@
                 <a:latin typeface="Noto Sans InsParthi" panose="020F0502020204030204" pitchFamily="34" charset="0"/>
                 <a:cs typeface="Noto Sans InsParthi" panose="020F0502020204030204" pitchFamily="34" charset="0"/>
               </a:rPr>
-              <a:t> and tubular necrosis </a:t>
-            </a:r>
-            <a:r>
-              <a:rPr lang="en-GB" sz="1400" dirty="0">
-                <a:solidFill>
-                  <a:schemeClr val="bg1"/>
-                </a:solidFill>
-                <a:latin typeface="Noto Sans InsParthi" panose="020F0502020204030204" pitchFamily="34" charset="0"/>
-                <a:cs typeface="Noto Sans InsParthi" panose="020F0502020204030204" pitchFamily="34" charset="0"/>
-              </a:rPr>
-              <a:t>★☆☆☆☆</a:t>
+              <a:t> and tubular necrosis ★☆☆☆☆</a:t>
             </a:r>
           </a:p>
         </p:txBody>
@@ -4560,7 +4550,7 @@
           <a:lstStyle/>
           <a:p>
             <a:r>
-              <a:rPr lang="en-GB" sz="1400" dirty="0">
+              <a:rPr lang="en-GB" sz="1350" dirty="0">
                 <a:solidFill>
                   <a:schemeClr val="bg1"/>
                 </a:solidFill>
@@ -4622,7 +4612,7 @@
           <a:lstStyle/>
           <a:p>
             <a:r>
-              <a:rPr lang="en-GB" sz="1400" dirty="0">
+              <a:rPr lang="en-GB" sz="1350" dirty="0">
                 <a:solidFill>
                   <a:schemeClr val="bg1"/>
                 </a:solidFill>
@@ -4684,7 +4674,7 @@
           <a:lstStyle/>
           <a:p>
             <a:r>
-              <a:rPr lang="en-GB" sz="1400" dirty="0">
+              <a:rPr lang="en-GB" sz="1350" dirty="0">
                 <a:solidFill>
                   <a:schemeClr val="bg1"/>
                 </a:solidFill>
@@ -4696,7 +4686,7 @@
           </a:p>
           <a:p>
             <a:r>
-              <a:rPr lang="en-GB" sz="1400" dirty="0">
+              <a:rPr lang="en-GB" sz="1350" dirty="0">
                 <a:solidFill>
                   <a:schemeClr val="bg1"/>
                 </a:solidFill>
